--- a/PPTs/ProgramacionII_Clase_17-2018.pptx
+++ b/PPTs/ProgramacionII_Clase_17-2018.pptx
@@ -11,7 +11,9 @@
     <p:sldId id="259" r:id="rId5"/>
     <p:sldId id="260" r:id="rId6"/>
     <p:sldId id="261" r:id="rId7"/>
-    <p:sldId id="262" r:id="rId8"/>
+    <p:sldId id="263" r:id="rId8"/>
+    <p:sldId id="264" r:id="rId9"/>
+    <p:sldId id="262" r:id="rId10"/>
   </p:sldIdLst>
   <p:sldSz cx="12192000" cy="6858000"/>
   <p:notesSz cx="6858000" cy="9144000"/>
@@ -110,6 +112,11 @@
       </a:defRPr>
     </a:lvl9pPr>
   </p:defaultTextStyle>
+  <p:extLst>
+    <p:ext uri="{EFAFB233-063F-42B5-8137-9DF3F51BA10A}">
+      <p15:sldGuideLst xmlns:p15="http://schemas.microsoft.com/office/powerpoint/2012/main"/>
+    </p:ext>
+  </p:extLst>
 </p:presentation>
 </file>
 
@@ -387,7 +394,7 @@
           <a:p>
             <a:fld id="{78ABE3C1-DBE1-495D-B57B-2849774B866A}" type="datetimeFigureOut">
               <a:rPr lang="en-US" dirty="0"/>
-              <a:t>9/27/2018</a:t>
+              <a:t>10/17/2018</a:t>
             </a:fld>
             <a:endParaRPr lang="en-US" dirty="0"/>
           </a:p>
@@ -796,7 +803,7 @@
           <a:p>
             <a:fld id="{446C117F-5CCF-4837-BE5F-2B92066CAFAF}" type="datetimeFigureOut">
               <a:rPr lang="en-US" dirty="0"/>
-              <a:t>9/27/2018</a:t>
+              <a:t>10/17/2018</a:t>
             </a:fld>
             <a:endParaRPr lang="en-US" dirty="0"/>
           </a:p>
@@ -1127,7 +1134,7 @@
           <a:p>
             <a:fld id="{84EB90BD-B6CE-46B7-997F-7313B992CCDC}" type="datetimeFigureOut">
               <a:rPr lang="en-US" dirty="0"/>
-              <a:t>9/27/2018</a:t>
+              <a:t>10/17/2018</a:t>
             </a:fld>
             <a:endParaRPr lang="en-US" dirty="0"/>
           </a:p>
@@ -1527,7 +1534,7 @@
           <a:p>
             <a:fld id="{CDB9D11F-B188-461D-B23F-39381795C052}" type="datetimeFigureOut">
               <a:rPr lang="en-US" dirty="0"/>
-              <a:t>9/27/2018</a:t>
+              <a:t>10/17/2018</a:t>
             </a:fld>
             <a:endParaRPr lang="en-US" dirty="0"/>
           </a:p>
@@ -2090,7 +2097,7 @@
           <a:p>
             <a:fld id="{52E6D8D9-55A2-4063-B0F3-121F44549695}" type="datetimeFigureOut">
               <a:rPr lang="en-US" dirty="0"/>
-              <a:t>9/27/2018</a:t>
+              <a:t>10/17/2018</a:t>
             </a:fld>
             <a:endParaRPr lang="en-US" dirty="0"/>
           </a:p>
@@ -2766,7 +2773,7 @@
           <a:p>
             <a:fld id="{D4B24536-994D-4021-A283-9F449C0DB509}" type="datetimeFigureOut">
               <a:rPr lang="en-US" dirty="0"/>
-              <a:t>9/27/2018</a:t>
+              <a:t>10/17/2018</a:t>
             </a:fld>
             <a:endParaRPr lang="en-US" dirty="0"/>
           </a:p>
@@ -3674,7 +3681,7 @@
           <a:p>
             <a:fld id="{3CBBBB78-C96F-47B7-AB17-D852CA960AC9}" type="datetimeFigureOut">
               <a:rPr lang="en-US" dirty="0"/>
-              <a:t>9/27/2018</a:t>
+              <a:t>10/17/2018</a:t>
             </a:fld>
             <a:endParaRPr lang="en-US" dirty="0"/>
           </a:p>
@@ -3982,7 +3989,7 @@
           <a:p>
             <a:fld id="{1FA3F48C-C7C6-4055-9F49-3777875E72AE}" type="datetimeFigureOut">
               <a:rPr lang="en-US" dirty="0"/>
-              <a:t>9/27/2018</a:t>
+              <a:t>10/17/2018</a:t>
             </a:fld>
             <a:endParaRPr lang="en-US" dirty="0"/>
           </a:p>
@@ -4241,7 +4248,7 @@
           <a:p>
             <a:fld id="{6178E61D-D431-422C-9764-11DAFE33AB63}" type="datetimeFigureOut">
               <a:rPr lang="en-US" dirty="0"/>
-              <a:t>9/27/2018</a:t>
+              <a:t>10/17/2018</a:t>
             </a:fld>
             <a:endParaRPr lang="en-US" dirty="0"/>
           </a:p>
@@ -4560,7 +4567,7 @@
           <a:p>
             <a:fld id="{12DE42F4-6EEF-4EF7-8ED4-2208F0F89A08}" type="datetimeFigureOut">
               <a:rPr lang="en-US" dirty="0"/>
-              <a:t>9/27/2018</a:t>
+              <a:t>10/17/2018</a:t>
             </a:fld>
             <a:endParaRPr lang="en-US" dirty="0"/>
           </a:p>
@@ -4944,7 +4951,7 @@
           <a:p>
             <a:fld id="{30578ACC-22D6-47C1-A373-4FD133E34F3C}" type="datetimeFigureOut">
               <a:rPr lang="en-US" dirty="0"/>
-              <a:t>9/27/2018</a:t>
+              <a:t>10/17/2018</a:t>
             </a:fld>
             <a:endParaRPr lang="en-US" dirty="0"/>
           </a:p>
@@ -5315,7 +5322,7 @@
           <a:p>
             <a:fld id="{4E5A6C69-6797-4E8A-BF37-F2C3751466E9}" type="datetimeFigureOut">
               <a:rPr lang="en-US" dirty="0"/>
-              <a:t>9/27/2018</a:t>
+              <a:t>10/17/2018</a:t>
             </a:fld>
             <a:endParaRPr lang="en-US" dirty="0"/>
           </a:p>
@@ -5816,7 +5823,7 @@
           <a:p>
             <a:fld id="{D82014A1-A632-4878-A0D3-F52BA7563730}" type="datetimeFigureOut">
               <a:rPr lang="en-US" dirty="0"/>
-              <a:t>9/27/2018</a:t>
+              <a:t>10/17/2018</a:t>
             </a:fld>
             <a:endParaRPr lang="en-US" dirty="0"/>
           </a:p>
@@ -6068,7 +6075,7 @@
           <a:p>
             <a:fld id="{CE99F462-093F-4566-844B-4C71F2739DA5}" type="datetimeFigureOut">
               <a:rPr lang="en-US" dirty="0"/>
-              <a:t>9/27/2018</a:t>
+              <a:t>10/17/2018</a:t>
             </a:fld>
             <a:endParaRPr lang="en-US" dirty="0"/>
           </a:p>
@@ -6226,7 +6233,7 @@
           <a:p>
             <a:fld id="{3D24A7AC-904D-4781-85BA-7D10C17ED021}" type="datetimeFigureOut">
               <a:rPr lang="en-US" dirty="0"/>
-              <a:t>9/27/2018</a:t>
+              <a:t>10/17/2018</a:t>
             </a:fld>
             <a:endParaRPr lang="en-US" dirty="0"/>
           </a:p>
@@ -6611,7 +6618,7 @@
           <a:p>
             <a:fld id="{E331444B-B92B-4E27-8C94-BB93EAF5CB18}" type="datetimeFigureOut">
               <a:rPr lang="en-US" dirty="0"/>
-              <a:t>9/27/2018</a:t>
+              <a:t>10/17/2018</a:t>
             </a:fld>
             <a:endParaRPr lang="en-US" dirty="0"/>
           </a:p>
@@ -7015,7 +7022,7 @@
           <a:p>
             <a:fld id="{363EFA5E-FA76-400D-B3DC-F0BA90E6D107}" type="datetimeFigureOut">
               <a:rPr lang="en-US" dirty="0"/>
-              <a:t>9/27/2018</a:t>
+              <a:t>10/17/2018</a:t>
             </a:fld>
             <a:endParaRPr lang="en-US" dirty="0"/>
           </a:p>
@@ -7254,7 +7261,7 @@
           <a:p>
             <a:fld id="{9D6E9DEC-419B-4CC5-A080-3B06BD5A8291}" type="datetimeFigureOut">
               <a:rPr lang="en-US" dirty="0"/>
-              <a:t>9/27/2018</a:t>
+              <a:t>10/17/2018</a:t>
             </a:fld>
             <a:endParaRPr lang="en-US" dirty="0"/>
           </a:p>
@@ -7678,8 +7685,8 @@
           <a:lstStyle/>
           <a:p>
             <a:r>
-              <a:rPr lang="es-AR" dirty="0" err="1" smtClean="0"/>
-              <a:t>Generics</a:t>
+              <a:rPr lang="es-AR" smtClean="0"/>
+              <a:t>Tipos Genéricos</a:t>
             </a:r>
             <a:endParaRPr lang="es-AR" dirty="0"/>
           </a:p>
@@ -11442,6 +11449,1452 @@
 </file>
 
 <file path=ppt/slides/slide7.xml><?xml version="1.0" encoding="utf-8"?>
+<p:sld xmlns:a="http://schemas.openxmlformats.org/drawingml/2006/main" xmlns:r="http://schemas.openxmlformats.org/officeDocument/2006/relationships" xmlns:p="http://schemas.openxmlformats.org/presentationml/2006/main">
+  <p:cSld>
+    <p:spTree>
+      <p:nvGrpSpPr>
+        <p:cNvPr id="1" name=""/>
+        <p:cNvGrpSpPr/>
+        <p:nvPr/>
+      </p:nvGrpSpPr>
+      <p:grpSpPr>
+        <a:xfrm>
+          <a:off x="0" y="0"/>
+          <a:ext cx="0" cy="0"/>
+          <a:chOff x="0" y="0"/>
+          <a:chExt cx="0" cy="0"/>
+        </a:xfrm>
+      </p:grpSpPr>
+      <p:sp>
+        <p:nvSpPr>
+          <p:cNvPr id="2" name="Título 1"/>
+          <p:cNvSpPr>
+            <a:spLocks noGrp="1"/>
+          </p:cNvSpPr>
+          <p:nvPr>
+            <p:ph type="title"/>
+          </p:nvPr>
+        </p:nvSpPr>
+        <p:spPr/>
+        <p:txBody>
+          <a:bodyPr/>
+          <a:lstStyle/>
+          <a:p>
+            <a:r>
+              <a:rPr lang="es-AR" dirty="0" smtClean="0"/>
+              <a:t>Restricciones</a:t>
+            </a:r>
+            <a:endParaRPr lang="es-AR" dirty="0"/>
+          </a:p>
+        </p:txBody>
+      </p:sp>
+      <p:graphicFrame>
+        <p:nvGraphicFramePr>
+          <p:cNvPr id="4" name="Marcador de contenido 3"/>
+          <p:cNvGraphicFramePr>
+            <a:graphicFrameLocks/>
+          </p:cNvGraphicFramePr>
+          <p:nvPr>
+            <p:extLst>
+              <p:ext uri="{D42A27DB-BD31-4B8C-83A1-F6EECF244321}">
+                <p14:modId xmlns:p14="http://schemas.microsoft.com/office/powerpoint/2010/main" val="1927341827"/>
+              </p:ext>
+            </p:extLst>
+          </p:nvPr>
+        </p:nvGraphicFramePr>
+        <p:xfrm>
+          <a:off x="232010" y="1997147"/>
+          <a:ext cx="10062172" cy="4770120"/>
+        </p:xfrm>
+        <a:graphic>
+          <a:graphicData uri="http://schemas.openxmlformats.org/drawingml/2006/table">
+            <a:tbl>
+              <a:tblPr firstRow="1" bandRow="1">
+                <a:tableStyleId>{5C22544A-7EE6-4342-B048-85BDC9FD1C3A}</a:tableStyleId>
+              </a:tblPr>
+              <a:tblGrid>
+                <a:gridCol w="5031086"/>
+                <a:gridCol w="5031086"/>
+              </a:tblGrid>
+              <a:tr h="370840">
+                <a:tc>
+                  <a:txBody>
+                    <a:bodyPr/>
+                    <a:lstStyle/>
+                    <a:p>
+                      <a:pPr marL="0" marR="0" lvl="0" indent="0" algn="ctr" defTabSz="914400" rtl="0" eaLnBrk="1" fontAlgn="b" latinLnBrk="0" hangingPunct="1">
+                        <a:lnSpc>
+                          <a:spcPct val="100000"/>
+                        </a:lnSpc>
+                        <a:spcBef>
+                          <a:spcPct val="0"/>
+                        </a:spcBef>
+                        <a:spcAft>
+                          <a:spcPct val="0"/>
+                        </a:spcAft>
+                        <a:buClrTx/>
+                        <a:buSzTx/>
+                        <a:buFontTx/>
+                        <a:buNone/>
+                        <a:tabLst/>
+                      </a:pPr>
+                      <a:r>
+                        <a:rPr kumimoji="0" lang="es-AR" sz="1400" b="1" i="0" u="none" strike="noStrike" cap="none" normalizeH="0" baseline="0" dirty="0" smtClean="0">
+                          <a:ln>
+                            <a:noFill/>
+                          </a:ln>
+                          <a:solidFill>
+                            <a:schemeClr val="tx1"/>
+                          </a:solidFill>
+                          <a:effectLst>
+                            <a:outerShdw blurRad="38100" dist="38100" dir="2700000" algn="tl">
+                              <a:srgbClr val="000000">
+                                <a:alpha val="43137"/>
+                              </a:srgbClr>
+                            </a:outerShdw>
+                          </a:effectLst>
+                          <a:latin typeface="Trebuchet MS (Cuerpo)"/>
+                          <a:cs typeface="Arial" charset="0"/>
+                        </a:rPr>
+                        <a:t>Restricción</a:t>
+                      </a:r>
+                      <a:endParaRPr kumimoji="0" lang="es-AR" sz="1400" b="1" i="0" u="none" strike="noStrike" cap="none" normalizeH="0" baseline="0" dirty="0" smtClean="0">
+                        <a:ln>
+                          <a:noFill/>
+                        </a:ln>
+                        <a:solidFill>
+                          <a:schemeClr val="tx1"/>
+                        </a:solidFill>
+                        <a:effectLst>
+                          <a:outerShdw blurRad="38100" dist="38100" dir="2700000" algn="tl">
+                            <a:srgbClr val="000000">
+                              <a:alpha val="43137"/>
+                            </a:srgbClr>
+                          </a:outerShdw>
+                        </a:effectLst>
+                        <a:latin typeface="Trebuchet MS (Cuerpo)"/>
+                      </a:endParaRPr>
+                    </a:p>
+                  </a:txBody>
+                  <a:tcPr anchor="b" horzOverflow="overflow"/>
+                </a:tc>
+                <a:tc>
+                  <a:txBody>
+                    <a:bodyPr/>
+                    <a:lstStyle/>
+                    <a:p>
+                      <a:pPr marL="0" marR="0" lvl="0" indent="0" algn="ctr" defTabSz="914400" rtl="0" eaLnBrk="1" fontAlgn="b" latinLnBrk="0" hangingPunct="1">
+                        <a:lnSpc>
+                          <a:spcPct val="100000"/>
+                        </a:lnSpc>
+                        <a:spcBef>
+                          <a:spcPct val="0"/>
+                        </a:spcBef>
+                        <a:spcAft>
+                          <a:spcPct val="0"/>
+                        </a:spcAft>
+                        <a:buClrTx/>
+                        <a:buSzTx/>
+                        <a:buFontTx/>
+                        <a:buNone/>
+                        <a:tabLst/>
+                      </a:pPr>
+                      <a:r>
+                        <a:rPr kumimoji="0" lang="es-AR" sz="1400" b="1" i="0" u="none" strike="noStrike" cap="none" normalizeH="0" baseline="0" dirty="0" smtClean="0">
+                          <a:ln>
+                            <a:noFill/>
+                          </a:ln>
+                          <a:solidFill>
+                            <a:schemeClr val="tx1"/>
+                          </a:solidFill>
+                          <a:effectLst>
+                            <a:outerShdw blurRad="38100" dist="38100" dir="2700000" algn="tl">
+                              <a:srgbClr val="000000">
+                                <a:alpha val="43137"/>
+                              </a:srgbClr>
+                            </a:outerShdw>
+                          </a:effectLst>
+                          <a:latin typeface="Trebuchet MS (Cuerpo)"/>
+                          <a:cs typeface="Arial" charset="0"/>
+                        </a:rPr>
+                        <a:t>Descripción</a:t>
+                      </a:r>
+                      <a:endParaRPr kumimoji="0" lang="es-AR" sz="1400" b="1" i="0" u="none" strike="noStrike" cap="none" normalizeH="0" baseline="0" dirty="0" smtClean="0">
+                        <a:ln>
+                          <a:noFill/>
+                        </a:ln>
+                        <a:solidFill>
+                          <a:schemeClr val="tx1"/>
+                        </a:solidFill>
+                        <a:effectLst>
+                          <a:outerShdw blurRad="38100" dist="38100" dir="2700000" algn="tl">
+                            <a:srgbClr val="000000">
+                              <a:alpha val="43137"/>
+                            </a:srgbClr>
+                          </a:outerShdw>
+                        </a:effectLst>
+                        <a:latin typeface="Trebuchet MS (Cuerpo)"/>
+                      </a:endParaRPr>
+                    </a:p>
+                  </a:txBody>
+                  <a:tcPr anchor="b" horzOverflow="overflow"/>
+                </a:tc>
+              </a:tr>
+              <a:tr h="370840">
+                <a:tc>
+                  <a:txBody>
+                    <a:bodyPr/>
+                    <a:lstStyle/>
+                    <a:p>
+                      <a:pPr marL="0" marR="0" lvl="0" indent="0" algn="l" defTabSz="914400" rtl="0" eaLnBrk="1" fontAlgn="b" latinLnBrk="0" hangingPunct="1">
+                        <a:lnSpc>
+                          <a:spcPct val="100000"/>
+                        </a:lnSpc>
+                        <a:spcBef>
+                          <a:spcPct val="0"/>
+                        </a:spcBef>
+                        <a:spcAft>
+                          <a:spcPct val="0"/>
+                        </a:spcAft>
+                        <a:buClrTx/>
+                        <a:buSzTx/>
+                        <a:buFontTx/>
+                        <a:buNone/>
+                        <a:tabLst/>
+                      </a:pPr>
+                      <a:r>
+                        <a:rPr kumimoji="0" lang="es-AR" sz="1400" b="1" i="0" u="none" strike="noStrike" cap="none" normalizeH="0" baseline="0" dirty="0" err="1" smtClean="0">
+                          <a:ln>
+                            <a:noFill/>
+                          </a:ln>
+                          <a:solidFill>
+                            <a:srgbClr val="9D360E"/>
+                          </a:solidFill>
+                          <a:effectLst/>
+                          <a:latin typeface="Trebuchet MS (Cuerpo)"/>
+                          <a:cs typeface="Arial" charset="0"/>
+                        </a:rPr>
+                        <a:t>where</a:t>
+                      </a:r>
+                      <a:r>
+                        <a:rPr kumimoji="0" lang="es-AR" sz="1400" b="1" i="0" u="none" strike="noStrike" cap="none" normalizeH="0" baseline="0" dirty="0" smtClean="0">
+                          <a:ln>
+                            <a:noFill/>
+                          </a:ln>
+                          <a:solidFill>
+                            <a:srgbClr val="9D360E"/>
+                          </a:solidFill>
+                          <a:effectLst/>
+                          <a:latin typeface="Trebuchet MS (Cuerpo)"/>
+                          <a:cs typeface="Arial" charset="0"/>
+                        </a:rPr>
+                        <a:t> T : </a:t>
+                      </a:r>
+                      <a:r>
+                        <a:rPr kumimoji="0" lang="es-AR" sz="1400" b="1" i="0" u="none" strike="noStrike" cap="none" normalizeH="0" baseline="0" dirty="0" err="1" smtClean="0">
+                          <a:ln>
+                            <a:noFill/>
+                          </a:ln>
+                          <a:solidFill>
+                            <a:srgbClr val="9D360E"/>
+                          </a:solidFill>
+                          <a:effectLst/>
+                          <a:latin typeface="Trebuchet MS (Cuerpo)"/>
+                          <a:cs typeface="Arial" charset="0"/>
+                        </a:rPr>
+                        <a:t>struct</a:t>
+                      </a:r>
+                      <a:endParaRPr kumimoji="0" lang="es-AR" sz="1400" b="1" i="0" u="none" strike="noStrike" cap="none" normalizeH="0" baseline="0" dirty="0" smtClean="0">
+                        <a:ln>
+                          <a:noFill/>
+                        </a:ln>
+                        <a:solidFill>
+                          <a:srgbClr val="9D360E"/>
+                        </a:solidFill>
+                        <a:effectLst/>
+                        <a:latin typeface="Trebuchet MS (Cuerpo)"/>
+                      </a:endParaRPr>
+                    </a:p>
+                  </a:txBody>
+                  <a:tcPr anchor="b" horzOverflow="overflow"/>
+                </a:tc>
+                <a:tc>
+                  <a:txBody>
+                    <a:bodyPr/>
+                    <a:lstStyle/>
+                    <a:p>
+                      <a:pPr marL="0" marR="0" lvl="0" indent="0" algn="l" defTabSz="914400" rtl="0" eaLnBrk="1" fontAlgn="b" latinLnBrk="0" hangingPunct="1">
+                        <a:lnSpc>
+                          <a:spcPct val="100000"/>
+                        </a:lnSpc>
+                        <a:spcBef>
+                          <a:spcPct val="0"/>
+                        </a:spcBef>
+                        <a:spcAft>
+                          <a:spcPct val="0"/>
+                        </a:spcAft>
+                        <a:buClrTx/>
+                        <a:buSzTx/>
+                        <a:buFontTx/>
+                        <a:buNone/>
+                        <a:tabLst/>
+                      </a:pPr>
+                      <a:r>
+                        <a:rPr kumimoji="0" lang="es-AR" sz="1400" b="1" i="0" u="none" strike="noStrike" cap="none" normalizeH="0" baseline="0" dirty="0" smtClean="0">
+                          <a:ln>
+                            <a:noFill/>
+                          </a:ln>
+                          <a:solidFill>
+                            <a:srgbClr val="9D360E"/>
+                          </a:solidFill>
+                          <a:effectLst/>
+                          <a:latin typeface="Trebuchet MS (Cuerpo)"/>
+                          <a:cs typeface="Arial" charset="0"/>
+                        </a:rPr>
+                        <a:t>El argumento de tipo debe ser un tipo de valor.</a:t>
+                      </a:r>
+                      <a:endParaRPr kumimoji="0" lang="es-AR" sz="1400" b="1" i="0" u="none" strike="noStrike" cap="none" normalizeH="0" baseline="0" dirty="0" smtClean="0">
+                        <a:ln>
+                          <a:noFill/>
+                        </a:ln>
+                        <a:solidFill>
+                          <a:srgbClr val="9D360E"/>
+                        </a:solidFill>
+                        <a:effectLst/>
+                        <a:latin typeface="Trebuchet MS (Cuerpo)"/>
+                      </a:endParaRPr>
+                    </a:p>
+                  </a:txBody>
+                  <a:tcPr anchor="b" horzOverflow="overflow"/>
+                </a:tc>
+              </a:tr>
+              <a:tr h="370840">
+                <a:tc>
+                  <a:txBody>
+                    <a:bodyPr/>
+                    <a:lstStyle/>
+                    <a:p>
+                      <a:pPr marL="0" marR="0" lvl="0" indent="0" algn="l" defTabSz="914400" rtl="0" eaLnBrk="1" fontAlgn="b" latinLnBrk="0" hangingPunct="1">
+                        <a:lnSpc>
+                          <a:spcPct val="100000"/>
+                        </a:lnSpc>
+                        <a:spcBef>
+                          <a:spcPct val="0"/>
+                        </a:spcBef>
+                        <a:spcAft>
+                          <a:spcPct val="0"/>
+                        </a:spcAft>
+                        <a:buClrTx/>
+                        <a:buSzTx/>
+                        <a:buFontTx/>
+                        <a:buNone/>
+                        <a:tabLst/>
+                      </a:pPr>
+                      <a:r>
+                        <a:rPr kumimoji="0" lang="es-AR" sz="1400" b="1" i="0" u="none" strike="noStrike" cap="none" normalizeH="0" baseline="0" dirty="0" err="1" smtClean="0">
+                          <a:ln>
+                            <a:noFill/>
+                          </a:ln>
+                          <a:solidFill>
+                            <a:srgbClr val="9D360E"/>
+                          </a:solidFill>
+                          <a:effectLst/>
+                          <a:latin typeface="Trebuchet MS (Cuerpo)"/>
+                          <a:cs typeface="Arial" charset="0"/>
+                        </a:rPr>
+                        <a:t>where</a:t>
+                      </a:r>
+                      <a:r>
+                        <a:rPr kumimoji="0" lang="es-AR" sz="1400" b="1" i="0" u="none" strike="noStrike" cap="none" normalizeH="0" baseline="0" dirty="0" smtClean="0">
+                          <a:ln>
+                            <a:noFill/>
+                          </a:ln>
+                          <a:solidFill>
+                            <a:srgbClr val="9D360E"/>
+                          </a:solidFill>
+                          <a:effectLst/>
+                          <a:latin typeface="Trebuchet MS (Cuerpo)"/>
+                          <a:cs typeface="Arial" charset="0"/>
+                        </a:rPr>
+                        <a:t> T : </a:t>
+                      </a:r>
+                      <a:r>
+                        <a:rPr kumimoji="0" lang="es-AR" sz="1400" b="1" i="0" u="none" strike="noStrike" cap="none" normalizeH="0" baseline="0" dirty="0" err="1" smtClean="0">
+                          <a:ln>
+                            <a:noFill/>
+                          </a:ln>
+                          <a:solidFill>
+                            <a:srgbClr val="9D360E"/>
+                          </a:solidFill>
+                          <a:effectLst/>
+                          <a:latin typeface="Trebuchet MS (Cuerpo)"/>
+                          <a:cs typeface="Arial" charset="0"/>
+                        </a:rPr>
+                        <a:t>class</a:t>
+                      </a:r>
+                      <a:endParaRPr kumimoji="0" lang="es-AR" sz="1400" b="1" i="0" u="none" strike="noStrike" cap="none" normalizeH="0" baseline="0" dirty="0" smtClean="0">
+                        <a:ln>
+                          <a:noFill/>
+                        </a:ln>
+                        <a:solidFill>
+                          <a:srgbClr val="9D360E"/>
+                        </a:solidFill>
+                        <a:effectLst/>
+                        <a:latin typeface="Trebuchet MS (Cuerpo)"/>
+                      </a:endParaRPr>
+                    </a:p>
+                  </a:txBody>
+                  <a:tcPr anchor="b" horzOverflow="overflow"/>
+                </a:tc>
+                <a:tc>
+                  <a:txBody>
+                    <a:bodyPr/>
+                    <a:lstStyle/>
+                    <a:p>
+                      <a:pPr marL="0" marR="0" lvl="0" indent="0" algn="l" defTabSz="914400" rtl="0" eaLnBrk="1" fontAlgn="b" latinLnBrk="0" hangingPunct="1">
+                        <a:lnSpc>
+                          <a:spcPct val="100000"/>
+                        </a:lnSpc>
+                        <a:spcBef>
+                          <a:spcPct val="0"/>
+                        </a:spcBef>
+                        <a:spcAft>
+                          <a:spcPct val="0"/>
+                        </a:spcAft>
+                        <a:buClrTx/>
+                        <a:buSzTx/>
+                        <a:buFontTx/>
+                        <a:buNone/>
+                        <a:tabLst/>
+                      </a:pPr>
+                      <a:r>
+                        <a:rPr kumimoji="0" lang="es-AR" sz="1400" b="1" i="0" u="none" strike="noStrike" cap="none" normalizeH="0" baseline="0" dirty="0" smtClean="0">
+                          <a:ln>
+                            <a:noFill/>
+                          </a:ln>
+                          <a:solidFill>
+                            <a:srgbClr val="9D360E"/>
+                          </a:solidFill>
+                          <a:effectLst/>
+                          <a:latin typeface="Trebuchet MS (Cuerpo)"/>
+                          <a:cs typeface="Arial" charset="0"/>
+                        </a:rPr>
+                        <a:t>El argumento de tipo debe ser un tipo de referencia.</a:t>
+                      </a:r>
+                      <a:endParaRPr kumimoji="0" lang="es-AR" sz="1400" b="1" i="0" u="none" strike="noStrike" cap="none" normalizeH="0" baseline="0" dirty="0" smtClean="0">
+                        <a:ln>
+                          <a:noFill/>
+                        </a:ln>
+                        <a:solidFill>
+                          <a:srgbClr val="9D360E"/>
+                        </a:solidFill>
+                        <a:effectLst/>
+                        <a:latin typeface="Trebuchet MS (Cuerpo)"/>
+                      </a:endParaRPr>
+                    </a:p>
+                  </a:txBody>
+                  <a:tcPr anchor="b" horzOverflow="overflow"/>
+                </a:tc>
+              </a:tr>
+              <a:tr h="370840">
+                <a:tc>
+                  <a:txBody>
+                    <a:bodyPr/>
+                    <a:lstStyle/>
+                    <a:p>
+                      <a:pPr marL="0" marR="0" lvl="0" indent="0" algn="l" defTabSz="914400" rtl="0" eaLnBrk="1" fontAlgn="b" latinLnBrk="0" hangingPunct="1">
+                        <a:lnSpc>
+                          <a:spcPct val="100000"/>
+                        </a:lnSpc>
+                        <a:spcBef>
+                          <a:spcPct val="0"/>
+                        </a:spcBef>
+                        <a:spcAft>
+                          <a:spcPct val="0"/>
+                        </a:spcAft>
+                        <a:buClrTx/>
+                        <a:buSzTx/>
+                        <a:buFontTx/>
+                        <a:buNone/>
+                        <a:tabLst/>
+                      </a:pPr>
+                      <a:r>
+                        <a:rPr kumimoji="0" lang="es-AR" sz="1400" b="1" i="0" u="none" strike="noStrike" cap="none" normalizeH="0" baseline="0" dirty="0" err="1" smtClean="0">
+                          <a:ln>
+                            <a:noFill/>
+                          </a:ln>
+                          <a:solidFill>
+                            <a:srgbClr val="9D360E"/>
+                          </a:solidFill>
+                          <a:effectLst/>
+                          <a:latin typeface="Trebuchet MS (Cuerpo)"/>
+                        </a:rPr>
+                        <a:t>where</a:t>
+                      </a:r>
+                      <a:r>
+                        <a:rPr kumimoji="0" lang="es-AR" sz="1400" b="1" i="0" u="none" strike="noStrike" cap="none" normalizeH="0" baseline="0" dirty="0" smtClean="0">
+                          <a:ln>
+                            <a:noFill/>
+                          </a:ln>
+                          <a:solidFill>
+                            <a:srgbClr val="9D360E"/>
+                          </a:solidFill>
+                          <a:effectLst/>
+                          <a:latin typeface="Trebuchet MS (Cuerpo)"/>
+                        </a:rPr>
+                        <a:t> T : </a:t>
+                      </a:r>
+                      <a:r>
+                        <a:rPr kumimoji="0" lang="es-AR" sz="1400" b="1" i="0" u="none" strike="noStrike" cap="none" normalizeH="0" baseline="0" dirty="0" err="1" smtClean="0">
+                          <a:ln>
+                            <a:noFill/>
+                          </a:ln>
+                          <a:solidFill>
+                            <a:srgbClr val="9D360E"/>
+                          </a:solidFill>
+                          <a:effectLst/>
+                          <a:latin typeface="Trebuchet MS (Cuerpo)"/>
+                        </a:rPr>
+                        <a:t>unmanaged</a:t>
+                      </a:r>
+                      <a:endParaRPr kumimoji="0" lang="es-AR" sz="1400" b="1" i="0" u="none" strike="noStrike" cap="none" normalizeH="0" baseline="0" dirty="0" smtClean="0">
+                        <a:ln>
+                          <a:noFill/>
+                        </a:ln>
+                        <a:solidFill>
+                          <a:srgbClr val="9D360E"/>
+                        </a:solidFill>
+                        <a:effectLst/>
+                        <a:latin typeface="Trebuchet MS (Cuerpo)"/>
+                      </a:endParaRPr>
+                    </a:p>
+                  </a:txBody>
+                  <a:tcPr anchor="b" horzOverflow="overflow"/>
+                </a:tc>
+                <a:tc>
+                  <a:txBody>
+                    <a:bodyPr/>
+                    <a:lstStyle/>
+                    <a:p>
+                      <a:pPr marL="0" marR="0" lvl="0" indent="0" algn="l" defTabSz="914400" rtl="0" eaLnBrk="1" fontAlgn="b" latinLnBrk="0" hangingPunct="1">
+                        <a:lnSpc>
+                          <a:spcPct val="100000"/>
+                        </a:lnSpc>
+                        <a:spcBef>
+                          <a:spcPct val="0"/>
+                        </a:spcBef>
+                        <a:spcAft>
+                          <a:spcPct val="0"/>
+                        </a:spcAft>
+                        <a:buClrTx/>
+                        <a:buSzTx/>
+                        <a:buFontTx/>
+                        <a:buNone/>
+                        <a:tabLst/>
+                      </a:pPr>
+                      <a:r>
+                        <a:rPr kumimoji="0" lang="es-AR" sz="1400" b="1" i="0" u="none" strike="noStrike" cap="none" normalizeH="0" baseline="0" dirty="0" smtClean="0">
+                          <a:ln>
+                            <a:noFill/>
+                          </a:ln>
+                          <a:solidFill>
+                            <a:srgbClr val="9D360E"/>
+                          </a:solidFill>
+                          <a:effectLst/>
+                          <a:latin typeface="Trebuchet MS (Cuerpo)"/>
+                          <a:cs typeface="Arial" charset="0"/>
+                        </a:rPr>
+                        <a:t>El argumento de tipo no debe ser un tipo de referencia y no debe contener ningún miembro de tipo de referencia en ningún nivel de anidamiento.</a:t>
+                      </a:r>
+                      <a:endParaRPr kumimoji="0" lang="es-AR" sz="1400" b="1" i="0" u="none" strike="noStrike" cap="none" normalizeH="0" baseline="0" dirty="0" smtClean="0">
+                        <a:ln>
+                          <a:noFill/>
+                        </a:ln>
+                        <a:solidFill>
+                          <a:srgbClr val="9D360E"/>
+                        </a:solidFill>
+                        <a:effectLst/>
+                        <a:latin typeface="Trebuchet MS (Cuerpo)"/>
+                      </a:endParaRPr>
+                    </a:p>
+                  </a:txBody>
+                  <a:tcPr anchor="b" horzOverflow="overflow"/>
+                </a:tc>
+              </a:tr>
+              <a:tr h="370840">
+                <a:tc>
+                  <a:txBody>
+                    <a:bodyPr/>
+                    <a:lstStyle/>
+                    <a:p>
+                      <a:pPr marL="0" marR="0" lvl="0" indent="0" algn="l" defTabSz="914400" rtl="0" eaLnBrk="1" fontAlgn="b" latinLnBrk="0" hangingPunct="1">
+                        <a:lnSpc>
+                          <a:spcPct val="100000"/>
+                        </a:lnSpc>
+                        <a:spcBef>
+                          <a:spcPct val="0"/>
+                        </a:spcBef>
+                        <a:spcAft>
+                          <a:spcPct val="0"/>
+                        </a:spcAft>
+                        <a:buClrTx/>
+                        <a:buSzTx/>
+                        <a:buFontTx/>
+                        <a:buNone/>
+                        <a:tabLst/>
+                      </a:pPr>
+                      <a:r>
+                        <a:rPr kumimoji="0" lang="es-AR" sz="1400" b="1" i="0" u="none" strike="noStrike" cap="none" normalizeH="0" baseline="0" dirty="0" err="1" smtClean="0">
+                          <a:ln>
+                            <a:noFill/>
+                          </a:ln>
+                          <a:solidFill>
+                            <a:srgbClr val="9D360E"/>
+                          </a:solidFill>
+                          <a:effectLst/>
+                          <a:latin typeface="Trebuchet MS (Cuerpo)"/>
+                        </a:rPr>
+                        <a:t>where</a:t>
+                      </a:r>
+                      <a:r>
+                        <a:rPr kumimoji="0" lang="es-AR" sz="1400" b="1" i="0" u="none" strike="noStrike" cap="none" normalizeH="0" baseline="0" dirty="0" smtClean="0">
+                          <a:ln>
+                            <a:noFill/>
+                          </a:ln>
+                          <a:solidFill>
+                            <a:srgbClr val="9D360E"/>
+                          </a:solidFill>
+                          <a:effectLst/>
+                          <a:latin typeface="Trebuchet MS (Cuerpo)"/>
+                        </a:rPr>
+                        <a:t> T : new()</a:t>
+                      </a:r>
+                      <a:endParaRPr kumimoji="0" lang="es-AR" sz="1400" b="1" i="0" u="none" strike="noStrike" cap="none" normalizeH="0" baseline="0" dirty="0" smtClean="0">
+                        <a:ln>
+                          <a:noFill/>
+                        </a:ln>
+                        <a:solidFill>
+                          <a:srgbClr val="9D360E"/>
+                        </a:solidFill>
+                        <a:effectLst/>
+                        <a:latin typeface="Trebuchet MS (Cuerpo)"/>
+                      </a:endParaRPr>
+                    </a:p>
+                  </a:txBody>
+                  <a:tcPr anchor="b" horzOverflow="overflow"/>
+                </a:tc>
+                <a:tc>
+                  <a:txBody>
+                    <a:bodyPr/>
+                    <a:lstStyle/>
+                    <a:p>
+                      <a:pPr marL="0" marR="0" lvl="0" indent="0" algn="l" defTabSz="914400" rtl="0" eaLnBrk="1" fontAlgn="b" latinLnBrk="0" hangingPunct="1">
+                        <a:lnSpc>
+                          <a:spcPct val="100000"/>
+                        </a:lnSpc>
+                        <a:spcBef>
+                          <a:spcPct val="0"/>
+                        </a:spcBef>
+                        <a:spcAft>
+                          <a:spcPct val="0"/>
+                        </a:spcAft>
+                        <a:buClrTx/>
+                        <a:buSzTx/>
+                        <a:buFontTx/>
+                        <a:buNone/>
+                        <a:tabLst/>
+                      </a:pPr>
+                      <a:r>
+                        <a:rPr kumimoji="0" lang="es-AR" sz="1400" b="1" i="0" u="none" strike="noStrike" cap="none" normalizeH="0" baseline="0" dirty="0" smtClean="0">
+                          <a:ln>
+                            <a:noFill/>
+                          </a:ln>
+                          <a:solidFill>
+                            <a:srgbClr val="9D360E"/>
+                          </a:solidFill>
+                          <a:effectLst/>
+                          <a:latin typeface="Trebuchet MS (Cuerpo)"/>
+                          <a:cs typeface="Arial" charset="0"/>
+                        </a:rPr>
+                        <a:t>El argumento de tipo debe tener un constructor sin parámetros público. Cuando se usa conjuntamente con otras restricciones, la restricción new() debe especificarse en último lugar.</a:t>
+                      </a:r>
+                      <a:endParaRPr kumimoji="0" lang="es-AR" sz="1400" b="1" i="0" u="none" strike="noStrike" cap="none" normalizeH="0" baseline="0" dirty="0" smtClean="0">
+                        <a:ln>
+                          <a:noFill/>
+                        </a:ln>
+                        <a:solidFill>
+                          <a:srgbClr val="9D360E"/>
+                        </a:solidFill>
+                        <a:effectLst/>
+                        <a:latin typeface="Trebuchet MS (Cuerpo)"/>
+                      </a:endParaRPr>
+                    </a:p>
+                  </a:txBody>
+                  <a:tcPr anchor="b" horzOverflow="overflow"/>
+                </a:tc>
+              </a:tr>
+              <a:tr h="370840">
+                <a:tc>
+                  <a:txBody>
+                    <a:bodyPr/>
+                    <a:lstStyle/>
+                    <a:p>
+                      <a:pPr marL="0" marR="0" lvl="0" indent="0" algn="l" defTabSz="914400" rtl="0" eaLnBrk="1" fontAlgn="b" latinLnBrk="0" hangingPunct="1">
+                        <a:lnSpc>
+                          <a:spcPct val="100000"/>
+                        </a:lnSpc>
+                        <a:spcBef>
+                          <a:spcPct val="0"/>
+                        </a:spcBef>
+                        <a:spcAft>
+                          <a:spcPct val="0"/>
+                        </a:spcAft>
+                        <a:buClrTx/>
+                        <a:buSzTx/>
+                        <a:buFontTx/>
+                        <a:buNone/>
+                        <a:tabLst/>
+                      </a:pPr>
+                      <a:r>
+                        <a:rPr kumimoji="0" lang="es-AR" sz="1400" b="1" i="0" u="none" strike="noStrike" cap="none" normalizeH="0" baseline="0" dirty="0" err="1" smtClean="0">
+                          <a:ln>
+                            <a:noFill/>
+                          </a:ln>
+                          <a:solidFill>
+                            <a:srgbClr val="9D360E"/>
+                          </a:solidFill>
+                          <a:effectLst/>
+                          <a:latin typeface="Trebuchet MS (Cuerpo)"/>
+                        </a:rPr>
+                        <a:t>where</a:t>
+                      </a:r>
+                      <a:r>
+                        <a:rPr kumimoji="0" lang="es-AR" sz="1400" b="1" i="0" u="none" strike="noStrike" cap="none" normalizeH="0" baseline="0" dirty="0" smtClean="0">
+                          <a:ln>
+                            <a:noFill/>
+                          </a:ln>
+                          <a:solidFill>
+                            <a:srgbClr val="9D360E"/>
+                          </a:solidFill>
+                          <a:effectLst/>
+                          <a:latin typeface="Trebuchet MS (Cuerpo)"/>
+                        </a:rPr>
+                        <a:t> T : &lt;nombre de clase base&gt;</a:t>
+                      </a:r>
+                      <a:endParaRPr kumimoji="0" lang="es-AR" sz="1400" b="1" i="0" u="none" strike="noStrike" cap="none" normalizeH="0" baseline="0" dirty="0" smtClean="0">
+                        <a:ln>
+                          <a:noFill/>
+                        </a:ln>
+                        <a:solidFill>
+                          <a:srgbClr val="9D360E"/>
+                        </a:solidFill>
+                        <a:effectLst/>
+                        <a:latin typeface="Trebuchet MS (Cuerpo)"/>
+                      </a:endParaRPr>
+                    </a:p>
+                  </a:txBody>
+                  <a:tcPr anchor="b" horzOverflow="overflow"/>
+                </a:tc>
+                <a:tc>
+                  <a:txBody>
+                    <a:bodyPr/>
+                    <a:lstStyle/>
+                    <a:p>
+                      <a:pPr marL="0" marR="0" lvl="0" indent="0" algn="l" defTabSz="914400" rtl="0" eaLnBrk="1" fontAlgn="b" latinLnBrk="0" hangingPunct="1">
+                        <a:lnSpc>
+                          <a:spcPct val="100000"/>
+                        </a:lnSpc>
+                        <a:spcBef>
+                          <a:spcPct val="0"/>
+                        </a:spcBef>
+                        <a:spcAft>
+                          <a:spcPct val="0"/>
+                        </a:spcAft>
+                        <a:buClrTx/>
+                        <a:buSzTx/>
+                        <a:buFontTx/>
+                        <a:buNone/>
+                        <a:tabLst/>
+                      </a:pPr>
+                      <a:r>
+                        <a:rPr kumimoji="0" lang="es-AR" sz="1400" b="1" i="0" u="none" strike="noStrike" cap="none" normalizeH="0" baseline="0" dirty="0" smtClean="0">
+                          <a:ln>
+                            <a:noFill/>
+                          </a:ln>
+                          <a:solidFill>
+                            <a:srgbClr val="9D360E"/>
+                          </a:solidFill>
+                          <a:effectLst/>
+                          <a:latin typeface="Trebuchet MS (Cuerpo)"/>
+                          <a:cs typeface="Arial" charset="0"/>
+                        </a:rPr>
+                        <a:t>El argumento de tipo debe ser o derivarse de la clase base especificada.</a:t>
+                      </a:r>
+                      <a:endParaRPr kumimoji="0" lang="es-AR" sz="1400" b="1" i="0" u="none" strike="noStrike" cap="none" normalizeH="0" baseline="0" dirty="0" smtClean="0">
+                        <a:ln>
+                          <a:noFill/>
+                        </a:ln>
+                        <a:solidFill>
+                          <a:srgbClr val="9D360E"/>
+                        </a:solidFill>
+                        <a:effectLst/>
+                        <a:latin typeface="Trebuchet MS (Cuerpo)"/>
+                      </a:endParaRPr>
+                    </a:p>
+                  </a:txBody>
+                  <a:tcPr anchor="b" horzOverflow="overflow"/>
+                </a:tc>
+              </a:tr>
+              <a:tr h="370840">
+                <a:tc>
+                  <a:txBody>
+                    <a:bodyPr/>
+                    <a:lstStyle/>
+                    <a:p>
+                      <a:pPr marL="0" marR="0" lvl="0" indent="0" algn="l" defTabSz="914400" rtl="0" eaLnBrk="1" fontAlgn="b" latinLnBrk="0" hangingPunct="1">
+                        <a:lnSpc>
+                          <a:spcPct val="100000"/>
+                        </a:lnSpc>
+                        <a:spcBef>
+                          <a:spcPct val="0"/>
+                        </a:spcBef>
+                        <a:spcAft>
+                          <a:spcPct val="0"/>
+                        </a:spcAft>
+                        <a:buClrTx/>
+                        <a:buSzTx/>
+                        <a:buFontTx/>
+                        <a:buNone/>
+                        <a:tabLst/>
+                      </a:pPr>
+                      <a:r>
+                        <a:rPr kumimoji="0" lang="fr-FR" sz="1400" b="1" i="0" u="none" strike="noStrike" cap="none" normalizeH="0" baseline="0" dirty="0" err="1" smtClean="0">
+                          <a:ln>
+                            <a:noFill/>
+                          </a:ln>
+                          <a:solidFill>
+                            <a:srgbClr val="9D360E"/>
+                          </a:solidFill>
+                          <a:effectLst/>
+                          <a:latin typeface="Trebuchet MS (Cuerpo)"/>
+                          <a:cs typeface="Arial" charset="0"/>
+                        </a:rPr>
+                        <a:t>where</a:t>
+                      </a:r>
+                      <a:r>
+                        <a:rPr kumimoji="0" lang="fr-FR" sz="1400" b="1" i="0" u="none" strike="noStrike" cap="none" normalizeH="0" baseline="0" dirty="0" smtClean="0">
+                          <a:ln>
+                            <a:noFill/>
+                          </a:ln>
+                          <a:solidFill>
+                            <a:srgbClr val="9D360E"/>
+                          </a:solidFill>
+                          <a:effectLst/>
+                          <a:latin typeface="Trebuchet MS (Cuerpo)"/>
+                          <a:cs typeface="Arial" charset="0"/>
+                        </a:rPr>
+                        <a:t> T : &lt;nombre de </a:t>
+                      </a:r>
+                      <a:r>
+                        <a:rPr kumimoji="0" lang="fr-FR" sz="1400" b="1" i="0" u="none" strike="noStrike" cap="none" normalizeH="0" baseline="0" dirty="0" err="1" smtClean="0">
+                          <a:ln>
+                            <a:noFill/>
+                          </a:ln>
+                          <a:solidFill>
+                            <a:srgbClr val="9D360E"/>
+                          </a:solidFill>
+                          <a:effectLst/>
+                          <a:latin typeface="Trebuchet MS (Cuerpo)"/>
+                          <a:cs typeface="Arial" charset="0"/>
+                        </a:rPr>
+                        <a:t>interfaz</a:t>
+                      </a:r>
+                      <a:r>
+                        <a:rPr kumimoji="0" lang="fr-FR" sz="1400" b="1" i="0" u="none" strike="noStrike" cap="none" normalizeH="0" baseline="0" dirty="0" smtClean="0">
+                          <a:ln>
+                            <a:noFill/>
+                          </a:ln>
+                          <a:solidFill>
+                            <a:srgbClr val="9D360E"/>
+                          </a:solidFill>
+                          <a:effectLst/>
+                          <a:latin typeface="Trebuchet MS (Cuerpo)"/>
+                          <a:cs typeface="Arial" charset="0"/>
+                        </a:rPr>
+                        <a:t>&gt;</a:t>
+                      </a:r>
+                      <a:endParaRPr kumimoji="0" lang="es-AR" sz="1400" b="1" i="0" u="none" strike="noStrike" cap="none" normalizeH="0" baseline="0" dirty="0" smtClean="0">
+                        <a:ln>
+                          <a:noFill/>
+                        </a:ln>
+                        <a:solidFill>
+                          <a:srgbClr val="9D360E"/>
+                        </a:solidFill>
+                        <a:effectLst/>
+                        <a:latin typeface="Trebuchet MS (Cuerpo)"/>
+                      </a:endParaRPr>
+                    </a:p>
+                  </a:txBody>
+                  <a:tcPr anchor="b" horzOverflow="overflow"/>
+                </a:tc>
+                <a:tc>
+                  <a:txBody>
+                    <a:bodyPr/>
+                    <a:lstStyle/>
+                    <a:p>
+                      <a:pPr marL="0" marR="0" lvl="0" indent="0" algn="l" defTabSz="914400" rtl="0" eaLnBrk="1" fontAlgn="b" latinLnBrk="0" hangingPunct="1">
+                        <a:lnSpc>
+                          <a:spcPct val="100000"/>
+                        </a:lnSpc>
+                        <a:spcBef>
+                          <a:spcPct val="0"/>
+                        </a:spcBef>
+                        <a:spcAft>
+                          <a:spcPct val="0"/>
+                        </a:spcAft>
+                        <a:buClrTx/>
+                        <a:buSzTx/>
+                        <a:buFontTx/>
+                        <a:buNone/>
+                        <a:tabLst/>
+                      </a:pPr>
+                      <a:r>
+                        <a:rPr kumimoji="0" lang="es-AR" sz="1400" b="1" i="0" u="none" strike="noStrike" cap="none" normalizeH="0" baseline="0" dirty="0" smtClean="0">
+                          <a:ln>
+                            <a:noFill/>
+                          </a:ln>
+                          <a:solidFill>
+                            <a:srgbClr val="9D360E"/>
+                          </a:solidFill>
+                          <a:effectLst/>
+                          <a:latin typeface="Trebuchet MS (Cuerpo)"/>
+                          <a:cs typeface="Arial" charset="0"/>
+                        </a:rPr>
+                        <a:t>El argumento de tipo debe ser o implementar la interfaz especificada. Pueden especificarse varias restricciones de interfaz. La interfaz de restricciones también puede ser genérica.</a:t>
+                      </a:r>
+                      <a:endParaRPr kumimoji="0" lang="es-AR" sz="1400" b="1" i="0" u="none" strike="noStrike" cap="none" normalizeH="0" baseline="0" dirty="0" smtClean="0">
+                        <a:ln>
+                          <a:noFill/>
+                        </a:ln>
+                        <a:solidFill>
+                          <a:srgbClr val="9D360E"/>
+                        </a:solidFill>
+                        <a:effectLst/>
+                        <a:latin typeface="Trebuchet MS (Cuerpo)"/>
+                      </a:endParaRPr>
+                    </a:p>
+                  </a:txBody>
+                  <a:tcPr anchor="b" horzOverflow="overflow"/>
+                </a:tc>
+              </a:tr>
+              <a:tr h="370840">
+                <a:tc>
+                  <a:txBody>
+                    <a:bodyPr/>
+                    <a:lstStyle/>
+                    <a:p>
+                      <a:pPr marL="0" marR="0" lvl="0" indent="0" algn="l" defTabSz="914400" rtl="0" eaLnBrk="1" fontAlgn="b" latinLnBrk="0" hangingPunct="1">
+                        <a:lnSpc>
+                          <a:spcPct val="100000"/>
+                        </a:lnSpc>
+                        <a:spcBef>
+                          <a:spcPct val="0"/>
+                        </a:spcBef>
+                        <a:spcAft>
+                          <a:spcPct val="0"/>
+                        </a:spcAft>
+                        <a:buClrTx/>
+                        <a:buSzTx/>
+                        <a:buFontTx/>
+                        <a:buNone/>
+                        <a:tabLst/>
+                      </a:pPr>
+                      <a:r>
+                        <a:rPr kumimoji="0" lang="es-AR" sz="1400" b="1" i="0" u="none" strike="noStrike" cap="none" normalizeH="0" baseline="0" dirty="0" err="1" smtClean="0">
+                          <a:ln>
+                            <a:noFill/>
+                          </a:ln>
+                          <a:solidFill>
+                            <a:srgbClr val="9D360E"/>
+                          </a:solidFill>
+                          <a:effectLst/>
+                          <a:latin typeface="Trebuchet MS (Cuerpo)"/>
+                        </a:rPr>
+                        <a:t>where</a:t>
+                      </a:r>
+                      <a:r>
+                        <a:rPr kumimoji="0" lang="es-AR" sz="1400" b="1" i="0" u="none" strike="noStrike" cap="none" normalizeH="0" baseline="0" dirty="0" smtClean="0">
+                          <a:ln>
+                            <a:noFill/>
+                          </a:ln>
+                          <a:solidFill>
+                            <a:srgbClr val="9D360E"/>
+                          </a:solidFill>
+                          <a:effectLst/>
+                          <a:latin typeface="Trebuchet MS (Cuerpo)"/>
+                        </a:rPr>
+                        <a:t> T : U</a:t>
+                      </a:r>
+                      <a:endParaRPr kumimoji="0" lang="es-AR" sz="1400" b="1" i="0" u="none" strike="noStrike" cap="none" normalizeH="0" baseline="0" dirty="0" smtClean="0">
+                        <a:ln>
+                          <a:noFill/>
+                        </a:ln>
+                        <a:solidFill>
+                          <a:srgbClr val="9D360E"/>
+                        </a:solidFill>
+                        <a:effectLst/>
+                        <a:latin typeface="Trebuchet MS (Cuerpo)"/>
+                      </a:endParaRPr>
+                    </a:p>
+                  </a:txBody>
+                  <a:tcPr anchor="b" horzOverflow="overflow"/>
+                </a:tc>
+                <a:tc>
+                  <a:txBody>
+                    <a:bodyPr/>
+                    <a:lstStyle/>
+                    <a:p>
+                      <a:pPr marL="0" marR="0" lvl="0" indent="0" algn="l" defTabSz="914400" rtl="0" eaLnBrk="1" fontAlgn="b" latinLnBrk="0" hangingPunct="1">
+                        <a:lnSpc>
+                          <a:spcPct val="100000"/>
+                        </a:lnSpc>
+                        <a:spcBef>
+                          <a:spcPct val="0"/>
+                        </a:spcBef>
+                        <a:spcAft>
+                          <a:spcPct val="0"/>
+                        </a:spcAft>
+                        <a:buClrTx/>
+                        <a:buSzTx/>
+                        <a:buFontTx/>
+                        <a:buNone/>
+                        <a:tabLst/>
+                      </a:pPr>
+                      <a:r>
+                        <a:rPr kumimoji="0" lang="es-AR" sz="1400" b="1" i="0" u="none" strike="noStrike" cap="none" normalizeH="0" baseline="0" dirty="0" smtClean="0">
+                          <a:ln>
+                            <a:noFill/>
+                          </a:ln>
+                          <a:solidFill>
+                            <a:srgbClr val="9D360E"/>
+                          </a:solidFill>
+                          <a:effectLst/>
+                          <a:latin typeface="Trebuchet MS (Cuerpo)"/>
+                          <a:cs typeface="Arial" charset="0"/>
+                        </a:rPr>
+                        <a:t>El argumento de tipo proporcionado por T debe ser o derivarse del argumento proporcionado para U.</a:t>
+                      </a:r>
+                      <a:endParaRPr kumimoji="0" lang="es-AR" sz="1400" b="1" i="0" u="none" strike="noStrike" cap="none" normalizeH="0" baseline="0" dirty="0" smtClean="0">
+                        <a:ln>
+                          <a:noFill/>
+                        </a:ln>
+                        <a:solidFill>
+                          <a:srgbClr val="9D360E"/>
+                        </a:solidFill>
+                        <a:effectLst/>
+                        <a:latin typeface="Trebuchet MS (Cuerpo)"/>
+                      </a:endParaRPr>
+                    </a:p>
+                  </a:txBody>
+                  <a:tcPr anchor="b" horzOverflow="overflow"/>
+                </a:tc>
+              </a:tr>
+            </a:tbl>
+          </a:graphicData>
+        </a:graphic>
+      </p:graphicFrame>
+    </p:spTree>
+    <p:extLst>
+      <p:ext uri="{BB962C8B-B14F-4D97-AF65-F5344CB8AC3E}">
+        <p14:creationId xmlns:p14="http://schemas.microsoft.com/office/powerpoint/2010/main" val="452270601"/>
+      </p:ext>
+    </p:extLst>
+  </p:cSld>
+  <p:clrMapOvr>
+    <a:masterClrMapping/>
+  </p:clrMapOvr>
+</p:sld>
+</file>
+
+<file path=ppt/slides/slide8.xml><?xml version="1.0" encoding="utf-8"?>
+<p:sld xmlns:a="http://schemas.openxmlformats.org/drawingml/2006/main" xmlns:r="http://schemas.openxmlformats.org/officeDocument/2006/relationships" xmlns:p="http://schemas.openxmlformats.org/presentationml/2006/main">
+  <p:cSld>
+    <p:spTree>
+      <p:nvGrpSpPr>
+        <p:cNvPr id="1" name=""/>
+        <p:cNvGrpSpPr/>
+        <p:nvPr/>
+      </p:nvGrpSpPr>
+      <p:grpSpPr>
+        <a:xfrm>
+          <a:off x="0" y="0"/>
+          <a:ext cx="0" cy="0"/>
+          <a:chOff x="0" y="0"/>
+          <a:chExt cx="0" cy="0"/>
+        </a:xfrm>
+      </p:grpSpPr>
+      <p:sp>
+        <p:nvSpPr>
+          <p:cNvPr id="2" name="Título 1"/>
+          <p:cNvSpPr>
+            <a:spLocks noGrp="1"/>
+          </p:cNvSpPr>
+          <p:nvPr>
+            <p:ph type="title"/>
+          </p:nvPr>
+        </p:nvSpPr>
+        <p:spPr/>
+        <p:txBody>
+          <a:bodyPr/>
+          <a:lstStyle/>
+          <a:p>
+            <a:r>
+              <a:rPr lang="es-AR" dirty="0" smtClean="0"/>
+              <a:t>Restricciones</a:t>
+            </a:r>
+            <a:endParaRPr lang="es-AR" dirty="0"/>
+          </a:p>
+        </p:txBody>
+      </p:sp>
+      <p:sp>
+        <p:nvSpPr>
+          <p:cNvPr id="3" name="Marcador de contenido 2"/>
+          <p:cNvSpPr>
+            <a:spLocks noGrp="1"/>
+          </p:cNvSpPr>
+          <p:nvPr>
+            <p:ph idx="1"/>
+          </p:nvPr>
+        </p:nvSpPr>
+        <p:spPr/>
+        <p:txBody>
+          <a:bodyPr/>
+          <a:lstStyle/>
+          <a:p>
+            <a:r>
+              <a:rPr lang="es-AR" dirty="0">
+                <a:effectLst>
+                  <a:outerShdw blurRad="38100" dist="38100" dir="2700000" algn="tl">
+                    <a:srgbClr val="000000">
+                      <a:alpha val="43137"/>
+                    </a:srgbClr>
+                  </a:outerShdw>
+                </a:effectLst>
+                <a:latin typeface="Franklin Gothic Medium" panose="020B0603020102020204" pitchFamily="34" charset="0"/>
+              </a:rPr>
+              <a:t>Algunas de estas restricciones son mutuamente </a:t>
+            </a:r>
+            <a:r>
+              <a:rPr lang="es-AR" dirty="0" smtClean="0">
+                <a:effectLst>
+                  <a:outerShdw blurRad="38100" dist="38100" dir="2700000" algn="tl">
+                    <a:srgbClr val="000000">
+                      <a:alpha val="43137"/>
+                    </a:srgbClr>
+                  </a:outerShdw>
+                </a:effectLst>
+                <a:latin typeface="Franklin Gothic Medium" panose="020B0603020102020204" pitchFamily="34" charset="0"/>
+              </a:rPr>
+              <a:t>excluyentes.</a:t>
+            </a:r>
+          </a:p>
+          <a:p>
+            <a:r>
+              <a:rPr lang="es-AR" dirty="0" smtClean="0">
+                <a:effectLst>
+                  <a:outerShdw blurRad="38100" dist="38100" dir="2700000" algn="tl">
+                    <a:srgbClr val="000000">
+                      <a:alpha val="43137"/>
+                    </a:srgbClr>
+                  </a:outerShdw>
+                </a:effectLst>
+                <a:latin typeface="Franklin Gothic Medium" panose="020B0603020102020204" pitchFamily="34" charset="0"/>
+              </a:rPr>
+              <a:t>Todos </a:t>
+            </a:r>
+            <a:r>
+              <a:rPr lang="es-AR" dirty="0">
+                <a:effectLst>
+                  <a:outerShdw blurRad="38100" dist="38100" dir="2700000" algn="tl">
+                    <a:srgbClr val="000000">
+                      <a:alpha val="43137"/>
+                    </a:srgbClr>
+                  </a:outerShdw>
+                </a:effectLst>
+                <a:latin typeface="Franklin Gothic Medium" panose="020B0603020102020204" pitchFamily="34" charset="0"/>
+              </a:rPr>
+              <a:t>los tipos de valor deben tener un constructor sin parámetros </a:t>
+            </a:r>
+            <a:r>
+              <a:rPr lang="es-AR" dirty="0" smtClean="0">
+                <a:effectLst>
+                  <a:outerShdw blurRad="38100" dist="38100" dir="2700000" algn="tl">
+                    <a:srgbClr val="000000">
+                      <a:alpha val="43137"/>
+                    </a:srgbClr>
+                  </a:outerShdw>
+                </a:effectLst>
+                <a:latin typeface="Franklin Gothic Medium" panose="020B0603020102020204" pitchFamily="34" charset="0"/>
+              </a:rPr>
+              <a:t>accesible.</a:t>
+            </a:r>
+          </a:p>
+          <a:p>
+            <a:r>
+              <a:rPr lang="es-AR" dirty="0" smtClean="0">
+                <a:effectLst>
+                  <a:outerShdw blurRad="38100" dist="38100" dir="2700000" algn="tl">
+                    <a:srgbClr val="000000">
+                      <a:alpha val="43137"/>
+                    </a:srgbClr>
+                  </a:outerShdw>
+                </a:effectLst>
+                <a:latin typeface="Franklin Gothic Medium" panose="020B0603020102020204" pitchFamily="34" charset="0"/>
+              </a:rPr>
+              <a:t>La </a:t>
+            </a:r>
+            <a:r>
+              <a:rPr lang="es-AR" dirty="0">
+                <a:effectLst>
+                  <a:outerShdw blurRad="38100" dist="38100" dir="2700000" algn="tl">
+                    <a:srgbClr val="000000">
+                      <a:alpha val="43137"/>
+                    </a:srgbClr>
+                  </a:outerShdw>
+                </a:effectLst>
+                <a:latin typeface="Franklin Gothic Medium" panose="020B0603020102020204" pitchFamily="34" charset="0"/>
+              </a:rPr>
+              <a:t>restricción </a:t>
+            </a:r>
+            <a:r>
+              <a:rPr lang="es-AR" dirty="0" err="1">
+                <a:effectLst>
+                  <a:outerShdw blurRad="38100" dist="38100" dir="2700000" algn="tl">
+                    <a:srgbClr val="000000">
+                      <a:alpha val="43137"/>
+                    </a:srgbClr>
+                  </a:outerShdw>
+                </a:effectLst>
+                <a:latin typeface="Franklin Gothic Medium" panose="020B0603020102020204" pitchFamily="34" charset="0"/>
+              </a:rPr>
+              <a:t>struct</a:t>
+            </a:r>
+            <a:r>
+              <a:rPr lang="es-AR" dirty="0">
+                <a:effectLst>
+                  <a:outerShdw blurRad="38100" dist="38100" dir="2700000" algn="tl">
+                    <a:srgbClr val="000000">
+                      <a:alpha val="43137"/>
+                    </a:srgbClr>
+                  </a:outerShdw>
+                </a:effectLst>
+                <a:latin typeface="Franklin Gothic Medium" panose="020B0603020102020204" pitchFamily="34" charset="0"/>
+              </a:rPr>
+              <a:t> implica la restricción new() y la restricción new() no se puede combinar con la restricción </a:t>
+            </a:r>
+            <a:r>
+              <a:rPr lang="es-AR" dirty="0" err="1" smtClean="0">
+                <a:effectLst>
+                  <a:outerShdw blurRad="38100" dist="38100" dir="2700000" algn="tl">
+                    <a:srgbClr val="000000">
+                      <a:alpha val="43137"/>
+                    </a:srgbClr>
+                  </a:outerShdw>
+                </a:effectLst>
+                <a:latin typeface="Franklin Gothic Medium" panose="020B0603020102020204" pitchFamily="34" charset="0"/>
+              </a:rPr>
+              <a:t>struct</a:t>
+            </a:r>
+            <a:r>
+              <a:rPr lang="es-AR" dirty="0" smtClean="0">
+                <a:effectLst>
+                  <a:outerShdw blurRad="38100" dist="38100" dir="2700000" algn="tl">
+                    <a:srgbClr val="000000">
+                      <a:alpha val="43137"/>
+                    </a:srgbClr>
+                  </a:outerShdw>
+                </a:effectLst>
+                <a:latin typeface="Franklin Gothic Medium" panose="020B0603020102020204" pitchFamily="34" charset="0"/>
+              </a:rPr>
+              <a:t>.</a:t>
+            </a:r>
+          </a:p>
+          <a:p>
+            <a:r>
+              <a:rPr lang="es-AR" dirty="0" smtClean="0">
+                <a:effectLst>
+                  <a:outerShdw blurRad="38100" dist="38100" dir="2700000" algn="tl">
+                    <a:srgbClr val="000000">
+                      <a:alpha val="43137"/>
+                    </a:srgbClr>
+                  </a:outerShdw>
+                </a:effectLst>
+                <a:latin typeface="Franklin Gothic Medium" panose="020B0603020102020204" pitchFamily="34" charset="0"/>
+              </a:rPr>
+              <a:t>La </a:t>
+            </a:r>
+            <a:r>
+              <a:rPr lang="es-AR" dirty="0">
+                <a:effectLst>
+                  <a:outerShdw blurRad="38100" dist="38100" dir="2700000" algn="tl">
+                    <a:srgbClr val="000000">
+                      <a:alpha val="43137"/>
+                    </a:srgbClr>
+                  </a:outerShdw>
+                </a:effectLst>
+                <a:latin typeface="Franklin Gothic Medium" panose="020B0603020102020204" pitchFamily="34" charset="0"/>
+              </a:rPr>
+              <a:t>restricción </a:t>
+            </a:r>
+            <a:r>
+              <a:rPr lang="es-AR" dirty="0" err="1">
+                <a:effectLst>
+                  <a:outerShdw blurRad="38100" dist="38100" dir="2700000" algn="tl">
+                    <a:srgbClr val="000000">
+                      <a:alpha val="43137"/>
+                    </a:srgbClr>
+                  </a:outerShdw>
+                </a:effectLst>
+                <a:latin typeface="Franklin Gothic Medium" panose="020B0603020102020204" pitchFamily="34" charset="0"/>
+              </a:rPr>
+              <a:t>unmanaged</a:t>
+            </a:r>
+            <a:r>
+              <a:rPr lang="es-AR" dirty="0">
+                <a:effectLst>
+                  <a:outerShdw blurRad="38100" dist="38100" dir="2700000" algn="tl">
+                    <a:srgbClr val="000000">
+                      <a:alpha val="43137"/>
+                    </a:srgbClr>
+                  </a:outerShdw>
+                </a:effectLst>
+                <a:latin typeface="Franklin Gothic Medium" panose="020B0603020102020204" pitchFamily="34" charset="0"/>
+              </a:rPr>
+              <a:t> implica la restricción </a:t>
+            </a:r>
+            <a:r>
+              <a:rPr lang="es-AR" dirty="0" err="1" smtClean="0">
+                <a:effectLst>
+                  <a:outerShdw blurRad="38100" dist="38100" dir="2700000" algn="tl">
+                    <a:srgbClr val="000000">
+                      <a:alpha val="43137"/>
+                    </a:srgbClr>
+                  </a:outerShdw>
+                </a:effectLst>
+                <a:latin typeface="Franklin Gothic Medium" panose="020B0603020102020204" pitchFamily="34" charset="0"/>
+              </a:rPr>
+              <a:t>struct</a:t>
+            </a:r>
+            <a:r>
+              <a:rPr lang="es-AR" dirty="0" smtClean="0">
+                <a:effectLst>
+                  <a:outerShdw blurRad="38100" dist="38100" dir="2700000" algn="tl">
+                    <a:srgbClr val="000000">
+                      <a:alpha val="43137"/>
+                    </a:srgbClr>
+                  </a:outerShdw>
+                </a:effectLst>
+                <a:latin typeface="Franklin Gothic Medium" panose="020B0603020102020204" pitchFamily="34" charset="0"/>
+              </a:rPr>
+              <a:t>.</a:t>
+            </a:r>
+          </a:p>
+          <a:p>
+            <a:r>
+              <a:rPr lang="es-AR" dirty="0" smtClean="0">
+                <a:effectLst>
+                  <a:outerShdw blurRad="38100" dist="38100" dir="2700000" algn="tl">
+                    <a:srgbClr val="000000">
+                      <a:alpha val="43137"/>
+                    </a:srgbClr>
+                  </a:outerShdw>
+                </a:effectLst>
+                <a:latin typeface="Franklin Gothic Medium" panose="020B0603020102020204" pitchFamily="34" charset="0"/>
+              </a:rPr>
+              <a:t>La </a:t>
+            </a:r>
+            <a:r>
+              <a:rPr lang="es-AR" dirty="0">
+                <a:effectLst>
+                  <a:outerShdw blurRad="38100" dist="38100" dir="2700000" algn="tl">
+                    <a:srgbClr val="000000">
+                      <a:alpha val="43137"/>
+                    </a:srgbClr>
+                  </a:outerShdw>
+                </a:effectLst>
+                <a:latin typeface="Franklin Gothic Medium" panose="020B0603020102020204" pitchFamily="34" charset="0"/>
+              </a:rPr>
+              <a:t>restricción </a:t>
+            </a:r>
+            <a:r>
+              <a:rPr lang="es-AR" dirty="0" err="1">
+                <a:effectLst>
+                  <a:outerShdw blurRad="38100" dist="38100" dir="2700000" algn="tl">
+                    <a:srgbClr val="000000">
+                      <a:alpha val="43137"/>
+                    </a:srgbClr>
+                  </a:outerShdw>
+                </a:effectLst>
+                <a:latin typeface="Franklin Gothic Medium" panose="020B0603020102020204" pitchFamily="34" charset="0"/>
+              </a:rPr>
+              <a:t>unmanaged</a:t>
+            </a:r>
+            <a:r>
+              <a:rPr lang="es-AR" dirty="0">
+                <a:effectLst>
+                  <a:outerShdw blurRad="38100" dist="38100" dir="2700000" algn="tl">
+                    <a:srgbClr val="000000">
+                      <a:alpha val="43137"/>
+                    </a:srgbClr>
+                  </a:outerShdw>
+                </a:effectLst>
+                <a:latin typeface="Franklin Gothic Medium" panose="020B0603020102020204" pitchFamily="34" charset="0"/>
+              </a:rPr>
+              <a:t> no se puede combinar con las restricciones </a:t>
+            </a:r>
+            <a:r>
+              <a:rPr lang="es-AR" dirty="0" err="1">
+                <a:effectLst>
+                  <a:outerShdw blurRad="38100" dist="38100" dir="2700000" algn="tl">
+                    <a:srgbClr val="000000">
+                      <a:alpha val="43137"/>
+                    </a:srgbClr>
+                  </a:outerShdw>
+                </a:effectLst>
+                <a:latin typeface="Franklin Gothic Medium" panose="020B0603020102020204" pitchFamily="34" charset="0"/>
+              </a:rPr>
+              <a:t>struct</a:t>
+            </a:r>
+            <a:r>
+              <a:rPr lang="es-AR" dirty="0">
+                <a:effectLst>
+                  <a:outerShdw blurRad="38100" dist="38100" dir="2700000" algn="tl">
+                    <a:srgbClr val="000000">
+                      <a:alpha val="43137"/>
+                    </a:srgbClr>
+                  </a:outerShdw>
+                </a:effectLst>
+                <a:latin typeface="Franklin Gothic Medium" panose="020B0603020102020204" pitchFamily="34" charset="0"/>
+              </a:rPr>
+              <a:t> o new().</a:t>
+            </a:r>
+          </a:p>
+        </p:txBody>
+      </p:sp>
+    </p:spTree>
+    <p:extLst>
+      <p:ext uri="{BB962C8B-B14F-4D97-AF65-F5344CB8AC3E}">
+        <p14:creationId xmlns:p14="http://schemas.microsoft.com/office/powerpoint/2010/main" val="553765324"/>
+      </p:ext>
+    </p:extLst>
+  </p:cSld>
+  <p:clrMapOvr>
+    <a:masterClrMapping/>
+  </p:clrMapOvr>
+</p:sld>
+</file>
+
+<file path=ppt/slides/slide9.xml><?xml version="1.0" encoding="utf-8"?>
 <p:sld xmlns:a="http://schemas.openxmlformats.org/drawingml/2006/main" xmlns:r="http://schemas.openxmlformats.org/officeDocument/2006/relationships" xmlns:p="http://schemas.openxmlformats.org/presentationml/2006/main">
   <p:cSld>
     <p:spTree>
